--- a/Slides/Weekly UA-UF/10-23 weekly.pptx
+++ b/Slides/Weekly UA-UF/10-23 weekly.pptx
@@ -200,7 +200,7 @@
           <a:p>
             <a:fld id="{BAA13A03-C40F-4EC1-A51F-9616890493FC}" type="datetimeFigureOut">
               <a:rPr lang="en-IN" smtClean="0"/>
-              <a:t>23-10-2020</a:t>
+              <a:t>11-11-2020</a:t>
             </a:fld>
             <a:endParaRPr lang="en-IN"/>
           </a:p>
@@ -599,7 +599,7 @@
           <a:p>
             <a:fld id="{92CE9B33-96AF-4099-B66B-DA84CB020394}" type="datetime1">
               <a:rPr lang="en-US" smtClean="0"/>
-              <a:t>10/23/2020</a:t>
+              <a:t>11/11/2020</a:t>
             </a:fld>
             <a:endParaRPr lang="en-IN"/>
           </a:p>
@@ -772,7 +772,7 @@
           <a:p>
             <a:fld id="{37658C78-722C-4924-A530-533E254E7720}" type="datetime1">
               <a:rPr lang="en-US" smtClean="0"/>
-              <a:t>10/23/2020</a:t>
+              <a:t>11/11/2020</a:t>
             </a:fld>
             <a:endParaRPr lang="en-IN"/>
           </a:p>
@@ -955,7 +955,7 @@
           <a:p>
             <a:fld id="{1B981736-4F34-459E-B67B-FCE6841AF0D6}" type="datetime1">
               <a:rPr lang="en-US" smtClean="0"/>
-              <a:t>10/23/2020</a:t>
+              <a:t>11/11/2020</a:t>
             </a:fld>
             <a:endParaRPr lang="en-IN"/>
           </a:p>
@@ -2250,7 +2250,7 @@
           <a:p>
             <a:fld id="{A437640D-B031-4032-AFA9-D238B58B95C0}" type="datetime1">
               <a:rPr lang="en-US" smtClean="0"/>
-              <a:t>10/23/2020</a:t>
+              <a:t>11/11/2020</a:t>
             </a:fld>
             <a:endParaRPr lang="en-IN"/>
           </a:p>
@@ -2499,7 +2499,7 @@
           <a:p>
             <a:fld id="{8DEC7510-490E-46B9-8169-B8281F92B54D}" type="datetime1">
               <a:rPr lang="en-US" smtClean="0"/>
-              <a:t>10/23/2020</a:t>
+              <a:t>11/11/2020</a:t>
             </a:fld>
             <a:endParaRPr lang="en-IN"/>
           </a:p>
@@ -2734,7 +2734,7 @@
           <a:p>
             <a:fld id="{BA37EB1C-4C62-4F64-8EA5-98EF9AAEB623}" type="datetime1">
               <a:rPr lang="en-US" smtClean="0"/>
-              <a:t>10/23/2020</a:t>
+              <a:t>11/11/2020</a:t>
             </a:fld>
             <a:endParaRPr lang="en-IN"/>
           </a:p>
@@ -3104,7 +3104,7 @@
           <a:p>
             <a:fld id="{E5D455DE-6945-40F0-80ED-1BE08D910585}" type="datetime1">
               <a:rPr lang="en-US" smtClean="0"/>
-              <a:t>10/23/2020</a:t>
+              <a:t>11/11/2020</a:t>
             </a:fld>
             <a:endParaRPr lang="en-IN"/>
           </a:p>
@@ -3225,7 +3225,7 @@
           <a:p>
             <a:fld id="{0B0DA555-7430-4D74-9F01-60A9385D2A61}" type="datetime1">
               <a:rPr lang="en-US" smtClean="0"/>
-              <a:t>10/23/2020</a:t>
+              <a:t>11/11/2020</a:t>
             </a:fld>
             <a:endParaRPr lang="en-IN"/>
           </a:p>
@@ -3323,7 +3323,7 @@
           <a:p>
             <a:fld id="{FED61F34-AE64-4EA1-B1BC-9F09401B3791}" type="datetime1">
               <a:rPr lang="en-US" smtClean="0"/>
-              <a:t>10/23/2020</a:t>
+              <a:t>11/11/2020</a:t>
             </a:fld>
             <a:endParaRPr lang="en-IN"/>
           </a:p>
@@ -3603,7 +3603,7 @@
           <a:p>
             <a:fld id="{D95B6CD7-3DE2-494D-AD41-EA335816E113}" type="datetime1">
               <a:rPr lang="en-US" smtClean="0"/>
-              <a:t>10/23/2020</a:t>
+              <a:t>11/11/2020</a:t>
             </a:fld>
             <a:endParaRPr lang="en-IN"/>
           </a:p>
@@ -3863,7 +3863,7 @@
           <a:p>
             <a:fld id="{3CC98D0E-2EA7-4065-9D86-18E56E3E149D}" type="datetime1">
               <a:rPr lang="en-US" smtClean="0"/>
-              <a:t>10/23/2020</a:t>
+              <a:t>11/11/2020</a:t>
             </a:fld>
             <a:endParaRPr lang="en-IN"/>
           </a:p>
@@ -4079,7 +4079,7 @@
           <a:p>
             <a:fld id="{8713B16A-D028-4920-AAA0-C0ECD3247365}" type="datetime1">
               <a:rPr lang="en-US" smtClean="0"/>
-              <a:t>10/23/2020</a:t>
+              <a:t>11/11/2020</a:t>
             </a:fld>
             <a:endParaRPr lang="en-IN"/>
           </a:p>
@@ -5725,8 +5725,8 @@
         </p:nvSpPr>
         <p:spPr>
           <a:xfrm>
-            <a:off x="325237" y="5076835"/>
-            <a:ext cx="767855" cy="412664"/>
+            <a:off x="325237" y="4989095"/>
+            <a:ext cx="1051304" cy="500404"/>
           </a:xfrm>
           <a:prstGeom prst="rect">
             <a:avLst/>
